--- a/Networked System and Applications/week19/EENGM0009-3-05-IoT-IPv6(1).pptx
+++ b/Networked System and Applications/week19/EENGM0009-3-05-IoT-IPv6(1).pptx
@@ -500,14 +500,14 @@
           </a:ln>
           <a:extLst>
             <a:ext uri="{909E8E84-426E-40dd-AFC4-6F175D3DCCD1}">
-              <a14:hiddenFill xmlns:a14="http://schemas.microsoft.com/office/drawing/2010/main" xmlns="">
+              <a14:hiddenFill xmlns="" xmlns:a14="http://schemas.microsoft.com/office/drawing/2010/main">
                 <a:solidFill>
                   <a:srgbClr val="FFFFFF"/>
                 </a:solidFill>
               </a14:hiddenFill>
             </a:ext>
             <a:ext uri="{91240B29-F687-4f45-9708-019B960494DF}">
-              <a14:hiddenLine xmlns:a14="http://schemas.microsoft.com/office/drawing/2010/main" xmlns="" w="12700">
+              <a14:hiddenLine xmlns="" xmlns:a14="http://schemas.microsoft.com/office/drawing/2010/main" w="12700">
                 <a:solidFill>
                   <a:srgbClr val="000000"/>
                 </a:solidFill>
@@ -648,14 +648,14 @@
           </a:ln>
           <a:extLst>
             <a:ext uri="{909E8E84-426E-40dd-AFC4-6F175D3DCCD1}">
-              <a14:hiddenFill xmlns:a14="http://schemas.microsoft.com/office/drawing/2010/main" xmlns="">
+              <a14:hiddenFill xmlns="" xmlns:a14="http://schemas.microsoft.com/office/drawing/2010/main">
                 <a:solidFill>
                   <a:srgbClr val="FFFFFF"/>
                 </a:solidFill>
               </a14:hiddenFill>
             </a:ext>
             <a:ext uri="{91240B29-F687-4f45-9708-019B960494DF}">
-              <a14:hiddenLine xmlns:a14="http://schemas.microsoft.com/office/drawing/2010/main" xmlns="" w="12700">
+              <a14:hiddenLine xmlns="" xmlns:a14="http://schemas.microsoft.com/office/drawing/2010/main" w="12700">
                 <a:solidFill>
                   <a:srgbClr val="000000"/>
                 </a:solidFill>
@@ -1027,7 +1027,7 @@
           </a:ln>
           <a:extLst>
             <a:ext uri="{909E8E84-426E-40dd-AFC4-6F175D3DCCD1}">
-              <a14:hiddenFill xmlns:a14="http://schemas.microsoft.com/office/drawing/2010/main" xmlns="">
+              <a14:hiddenFill xmlns="" xmlns:a14="http://schemas.microsoft.com/office/drawing/2010/main">
                 <a:solidFill>
                   <a:srgbClr val="FFFFFF"/>
                 </a:solidFill>
@@ -1216,14 +1216,14 @@
           <a:ln w="9525"/>
           <a:extLst>
             <a:ext uri="{909E8E84-426E-40dd-AFC4-6F175D3DCCD1}">
-              <a14:hiddenFill xmlns:a14="http://schemas.microsoft.com/office/drawing/2010/main" xmlns="">
+              <a14:hiddenFill xmlns="" xmlns:a14="http://schemas.microsoft.com/office/drawing/2010/main">
                 <a:solidFill>
                   <a:srgbClr val="FFFFFF"/>
                 </a:solidFill>
               </a14:hiddenFill>
             </a:ext>
             <a:ext uri="{91240B29-F687-4f45-9708-019B960494DF}">
-              <a14:hiddenLine xmlns:a14="http://schemas.microsoft.com/office/drawing/2010/main" xmlns="" w="9525">
+              <a14:hiddenLine xmlns="" xmlns:a14="http://schemas.microsoft.com/office/drawing/2010/main" w="9525">
                 <a:solidFill>
                   <a:srgbClr val="000000"/>
                 </a:solidFill>
@@ -4559,7 +4559,7 @@
           <a:noFill/>
           <a:extLst>
             <a:ext uri="{909E8E84-426E-40dd-AFC4-6F175D3DCCD1}">
-              <a14:hiddenFill xmlns:a14="http://schemas.microsoft.com/office/drawing/2010/main" xmlns="">
+              <a14:hiddenFill xmlns="" xmlns:a14="http://schemas.microsoft.com/office/drawing/2010/main">
                 <a:solidFill>
                   <a:srgbClr val="FFFFFF"/>
                 </a:solidFill>
@@ -5131,10 +5131,9 @@
               </a:lnSpc>
             </a:pPr>
             <a:r>
-              <a:rPr lang="en-US" altLang="en-US" sz="3600"/>
+              <a:rPr lang="en-US" altLang="en-US" sz="3600" dirty="0"/>
               <a:t>Selected Topics on IoT Networking</a:t>
             </a:r>
-            <a:endParaRPr lang="en-US" altLang="en-US" sz="3600" dirty="0"/>
           </a:p>
         </p:txBody>
       </p:sp>
@@ -10112,12 +10111,12 @@
           <a:effectLst/>
           <a:extLst>
             <a:ext uri="{909E8E84-426E-40dd-AFC4-6F175D3DCCD1}">
-              <a14:hiddenFill xmlns:a14="http://schemas.microsoft.com/office/drawing/2010/main" xmlns="">
+              <a14:hiddenFill xmlns="" xmlns:a14="http://schemas.microsoft.com/office/drawing/2010/main">
                 <a:noFill/>
               </a14:hiddenFill>
             </a:ext>
             <a:ext uri="{AF507438-7753-43e0-B8FC-AC1667EBCBE1}">
-              <a14:hiddenEffects xmlns:a14="http://schemas.microsoft.com/office/drawing/2010/main" xmlns="">
+              <a14:hiddenEffects xmlns="" xmlns:a14="http://schemas.microsoft.com/office/drawing/2010/main">
                 <a:effectLst>
                   <a:outerShdw blurRad="63500" dist="38099" dir="2700000" algn="ctr" rotWithShape="0">
                     <a:schemeClr val="bg2">
@@ -10171,12 +10170,12 @@
           <a:effectLst/>
           <a:extLst>
             <a:ext uri="{909E8E84-426E-40dd-AFC4-6F175D3DCCD1}">
-              <a14:hiddenFill xmlns:a14="http://schemas.microsoft.com/office/drawing/2010/main" xmlns="">
+              <a14:hiddenFill xmlns="" xmlns:a14="http://schemas.microsoft.com/office/drawing/2010/main">
                 <a:noFill/>
               </a14:hiddenFill>
             </a:ext>
             <a:ext uri="{AF507438-7753-43e0-B8FC-AC1667EBCBE1}">
-              <a14:hiddenEffects xmlns:a14="http://schemas.microsoft.com/office/drawing/2010/main" xmlns="">
+              <a14:hiddenEffects xmlns="" xmlns:a14="http://schemas.microsoft.com/office/drawing/2010/main">
                 <a:effectLst>
                   <a:outerShdw blurRad="63500" dist="38099" dir="2700000" algn="ctr" rotWithShape="0">
                     <a:schemeClr val="bg2">
@@ -10230,12 +10229,12 @@
           <a:effectLst/>
           <a:extLst>
             <a:ext uri="{909E8E84-426E-40dd-AFC4-6F175D3DCCD1}">
-              <a14:hiddenFill xmlns:a14="http://schemas.microsoft.com/office/drawing/2010/main" xmlns="">
+              <a14:hiddenFill xmlns="" xmlns:a14="http://schemas.microsoft.com/office/drawing/2010/main">
                 <a:noFill/>
               </a14:hiddenFill>
             </a:ext>
             <a:ext uri="{AF507438-7753-43e0-B8FC-AC1667EBCBE1}">
-              <a14:hiddenEffects xmlns:a14="http://schemas.microsoft.com/office/drawing/2010/main" xmlns="">
+              <a14:hiddenEffects xmlns="" xmlns:a14="http://schemas.microsoft.com/office/drawing/2010/main">
                 <a:effectLst>
                   <a:outerShdw blurRad="63500" dist="38099" dir="2700000" algn="ctr" rotWithShape="0">
                     <a:schemeClr val="bg2">
@@ -10289,12 +10288,12 @@
           <a:effectLst/>
           <a:extLst>
             <a:ext uri="{909E8E84-426E-40dd-AFC4-6F175D3DCCD1}">
-              <a14:hiddenFill xmlns:a14="http://schemas.microsoft.com/office/drawing/2010/main" xmlns="">
+              <a14:hiddenFill xmlns="" xmlns:a14="http://schemas.microsoft.com/office/drawing/2010/main">
                 <a:noFill/>
               </a14:hiddenFill>
             </a:ext>
             <a:ext uri="{AF507438-7753-43e0-B8FC-AC1667EBCBE1}">
-              <a14:hiddenEffects xmlns:a14="http://schemas.microsoft.com/office/drawing/2010/main" xmlns="">
+              <a14:hiddenEffects xmlns="" xmlns:a14="http://schemas.microsoft.com/office/drawing/2010/main">
                 <a:effectLst>
                   <a:outerShdw blurRad="63500" dist="38099" dir="2700000" algn="ctr" rotWithShape="0">
                     <a:schemeClr val="bg2">
@@ -12812,7 +12811,12 @@
             <p:ph idx="1"/>
           </p:nvPr>
         </p:nvSpPr>
-        <p:spPr/>
+        <p:spPr>
+          <a:xfrm>
+            <a:off x="682831" y="1306501"/>
+            <a:ext cx="8229600" cy="4818224"/>
+          </a:xfrm>
+        </p:spPr>
         <p:txBody>
           <a:bodyPr>
             <a:normAutofit fontScale="92500"/>
